--- a/capstone-story.pptx
+++ b/capstone-story.pptx
@@ -806,35 +806,6 @@
 </inkml:ink>
 </file>
 
-<file path=ppt/ink/ink12.xml><?xml version="1.0" encoding="utf-8"?>
-<inkml:ink xmlns:inkml="http://www.w3.org/2003/InkML">
-  <inkml:definitions>
-    <inkml:context xml:id="ctx0">
-      <inkml:inkSource xml:id="inkSrc0">
-        <inkml:traceFormat>
-          <inkml:channel name="X" type="integer" min="-2.14748E9" max="2.14748E9" units="cm"/>
-          <inkml:channel name="Y" type="integer" min="-2.14748E9" max="2.14748E9" units="cm"/>
-        </inkml:traceFormat>
-        <inkml:channelProperties>
-          <inkml:channelProperty channel="X" name="resolution" value="1000" units="1/cm"/>
-          <inkml:channelProperty channel="Y" name="resolution" value="1000" units="1/cm"/>
-        </inkml:channelProperties>
-      </inkml:inkSource>
-      <inkml:timestamp xml:id="ts0" timeString="2020-10-28T23:02:53.893"/>
-    </inkml:context>
-    <inkml:brush xml:id="br0">
-      <inkml:brushProperty name="width" value="0.5" units="cm"/>
-      <inkml:brushProperty name="height" value="1" units="cm"/>
-      <inkml:brushProperty name="color" value="#FFFFFF"/>
-      <inkml:brushProperty name="tip" value="rectangle"/>
-      <inkml:brushProperty name="rasterOp" value="maskPen"/>
-      <inkml:brushProperty name="ignorePressure" value="1"/>
-    </inkml:brush>
-  </inkml:definitions>
-  <inkml:trace contextRef="#ctx0" brushRef="#br0">0 0,'11'0,"10"0,1 0</inkml:trace>
-</inkml:ink>
-</file>
-
 <file path=ppt/ink/ink2.xml><?xml version="1.0" encoding="utf-8"?>
 <inkml:ink xmlns:inkml="http://www.w3.org/2003/InkML">
   <inkml:definitions>
@@ -1149,7 +1120,7 @@
           <a:p>
             <a:fld id="{9E497948-54D2-43F8-9A63-A99FE3051738}" type="datetimeFigureOut">
               <a:rPr lang="en-US" smtClean="0"/>
-              <a:t>11/27/20</a:t>
+              <a:t>11/30/20</a:t>
             </a:fld>
             <a:endParaRPr lang="en-US"/>
           </a:p>
@@ -4299,8 +4270,8 @@
           <a:noFill/>
         </p:spPr>
       </p:pic>
-      <mc:AlternateContent xmlns:mc="http://schemas.openxmlformats.org/markup-compatibility/2006">
-        <mc:Choice xmlns:p14="http://schemas.microsoft.com/office/powerpoint/2010/main" Requires="p14">
+      <mc:AlternateContent xmlns:mc="http://schemas.openxmlformats.org/markup-compatibility/2006" xmlns:p14="http://schemas.microsoft.com/office/powerpoint/2010/main">
+        <mc:Choice Requires="p14">
           <p:contentPart p14:bwMode="auto" r:id="rId4">
             <p14:nvContentPartPr>
               <p14:cNvPr id="14" name="Ink 13">
@@ -4319,7 +4290,7 @@
             </p14:xfrm>
           </p:contentPart>
         </mc:Choice>
-        <mc:Fallback>
+        <mc:Fallback xmlns="">
           <p:pic>
             <p:nvPicPr>
               <p:cNvPr id="14" name="Ink 13">
@@ -4350,8 +4321,8 @@
           </p:pic>
         </mc:Fallback>
       </mc:AlternateContent>
-      <mc:AlternateContent xmlns:mc="http://schemas.openxmlformats.org/markup-compatibility/2006">
-        <mc:Choice xmlns:p14="http://schemas.microsoft.com/office/powerpoint/2010/main" Requires="p14">
+      <mc:AlternateContent xmlns:mc="http://schemas.openxmlformats.org/markup-compatibility/2006" xmlns:p14="http://schemas.microsoft.com/office/powerpoint/2010/main">
+        <mc:Choice Requires="p14">
           <p:contentPart p14:bwMode="auto" r:id="rId6">
             <p14:nvContentPartPr>
               <p14:cNvPr id="15" name="Ink 14">
@@ -4370,7 +4341,7 @@
             </p14:xfrm>
           </p:contentPart>
         </mc:Choice>
-        <mc:Fallback>
+        <mc:Fallback xmlns="">
           <p:pic>
             <p:nvPicPr>
               <p:cNvPr id="15" name="Ink 14">
@@ -4401,8 +4372,8 @@
           </p:pic>
         </mc:Fallback>
       </mc:AlternateContent>
-      <mc:AlternateContent xmlns:mc="http://schemas.openxmlformats.org/markup-compatibility/2006">
-        <mc:Choice xmlns:p14="http://schemas.microsoft.com/office/powerpoint/2010/main" Requires="p14">
+      <mc:AlternateContent xmlns:mc="http://schemas.openxmlformats.org/markup-compatibility/2006" xmlns:p14="http://schemas.microsoft.com/office/powerpoint/2010/main">
+        <mc:Choice Requires="p14">
           <p:contentPart p14:bwMode="auto" r:id="rId7">
             <p14:nvContentPartPr>
               <p14:cNvPr id="16" name="Ink 15">
@@ -4421,7 +4392,7 @@
             </p14:xfrm>
           </p:contentPart>
         </mc:Choice>
-        <mc:Fallback>
+        <mc:Fallback xmlns="">
           <p:pic>
             <p:nvPicPr>
               <p:cNvPr id="16" name="Ink 15">
@@ -4452,8 +4423,8 @@
           </p:pic>
         </mc:Fallback>
       </mc:AlternateContent>
-      <mc:AlternateContent xmlns:mc="http://schemas.openxmlformats.org/markup-compatibility/2006">
-        <mc:Choice xmlns:p14="http://schemas.microsoft.com/office/powerpoint/2010/main" Requires="p14">
+      <mc:AlternateContent xmlns:mc="http://schemas.openxmlformats.org/markup-compatibility/2006" xmlns:p14="http://schemas.microsoft.com/office/powerpoint/2010/main">
+        <mc:Choice Requires="p14">
           <p:contentPart p14:bwMode="auto" r:id="rId8">
             <p14:nvContentPartPr>
               <p14:cNvPr id="17" name="Ink 16">
@@ -4472,7 +4443,7 @@
             </p14:xfrm>
           </p:contentPart>
         </mc:Choice>
-        <mc:Fallback>
+        <mc:Fallback xmlns="">
           <p:pic>
             <p:nvPicPr>
               <p:cNvPr id="17" name="Ink 16">
@@ -4503,8 +4474,8 @@
           </p:pic>
         </mc:Fallback>
       </mc:AlternateContent>
-      <mc:AlternateContent xmlns:mc="http://schemas.openxmlformats.org/markup-compatibility/2006">
-        <mc:Choice xmlns:p14="http://schemas.microsoft.com/office/powerpoint/2010/main" Requires="p14">
+      <mc:AlternateContent xmlns:mc="http://schemas.openxmlformats.org/markup-compatibility/2006" xmlns:p14="http://schemas.microsoft.com/office/powerpoint/2010/main">
+        <mc:Choice Requires="p14">
           <p:contentPart p14:bwMode="auto" r:id="rId9">
             <p14:nvContentPartPr>
               <p14:cNvPr id="18" name="Ink 17">
@@ -4523,7 +4494,7 @@
             </p14:xfrm>
           </p:contentPart>
         </mc:Choice>
-        <mc:Fallback>
+        <mc:Fallback xmlns="">
           <p:pic>
             <p:nvPicPr>
               <p:cNvPr id="18" name="Ink 17">
@@ -4554,8 +4525,8 @@
           </p:pic>
         </mc:Fallback>
       </mc:AlternateContent>
-      <mc:AlternateContent xmlns:mc="http://schemas.openxmlformats.org/markup-compatibility/2006">
-        <mc:Choice xmlns:p14="http://schemas.microsoft.com/office/powerpoint/2010/main" Requires="p14">
+      <mc:AlternateContent xmlns:mc="http://schemas.openxmlformats.org/markup-compatibility/2006" xmlns:p14="http://schemas.microsoft.com/office/powerpoint/2010/main">
+        <mc:Choice Requires="p14">
           <p:contentPart p14:bwMode="auto" r:id="rId10">
             <p14:nvContentPartPr>
               <p14:cNvPr id="21" name="Ink 20">
@@ -4574,7 +4545,7 @@
             </p14:xfrm>
           </p:contentPart>
         </mc:Choice>
-        <mc:Fallback>
+        <mc:Fallback xmlns="">
           <p:pic>
             <p:nvPicPr>
               <p:cNvPr id="21" name="Ink 20">
@@ -4605,8 +4576,8 @@
           </p:pic>
         </mc:Fallback>
       </mc:AlternateContent>
-      <mc:AlternateContent xmlns:mc="http://schemas.openxmlformats.org/markup-compatibility/2006">
-        <mc:Choice xmlns:p14="http://schemas.microsoft.com/office/powerpoint/2010/main" Requires="p14">
+      <mc:AlternateContent xmlns:mc="http://schemas.openxmlformats.org/markup-compatibility/2006" xmlns:p14="http://schemas.microsoft.com/office/powerpoint/2010/main">
+        <mc:Choice Requires="p14">
           <p:contentPart p14:bwMode="auto" r:id="rId11">
             <p14:nvContentPartPr>
               <p14:cNvPr id="24" name="Ink 23">
@@ -4625,7 +4596,7 @@
             </p14:xfrm>
           </p:contentPart>
         </mc:Choice>
-        <mc:Fallback>
+        <mc:Fallback xmlns="">
           <p:pic>
             <p:nvPicPr>
               <p:cNvPr id="24" name="Ink 23">
@@ -4656,8 +4627,8 @@
           </p:pic>
         </mc:Fallback>
       </mc:AlternateContent>
-      <mc:AlternateContent xmlns:mc="http://schemas.openxmlformats.org/markup-compatibility/2006">
-        <mc:Choice xmlns:p14="http://schemas.microsoft.com/office/powerpoint/2010/main" Requires="p14">
+      <mc:AlternateContent xmlns:mc="http://schemas.openxmlformats.org/markup-compatibility/2006" xmlns:p14="http://schemas.microsoft.com/office/powerpoint/2010/main">
+        <mc:Choice Requires="p14">
           <p:contentPart p14:bwMode="auto" r:id="rId12">
             <p14:nvContentPartPr>
               <p14:cNvPr id="25" name="Ink 24">
@@ -4676,7 +4647,7 @@
             </p14:xfrm>
           </p:contentPart>
         </mc:Choice>
-        <mc:Fallback>
+        <mc:Fallback xmlns="">
           <p:pic>
             <p:nvPicPr>
               <p:cNvPr id="25" name="Ink 24">
@@ -4707,8 +4678,8 @@
           </p:pic>
         </mc:Fallback>
       </mc:AlternateContent>
-      <mc:AlternateContent xmlns:mc="http://schemas.openxmlformats.org/markup-compatibility/2006">
-        <mc:Choice xmlns:p14="http://schemas.microsoft.com/office/powerpoint/2010/main" Requires="p14">
+      <mc:AlternateContent xmlns:mc="http://schemas.openxmlformats.org/markup-compatibility/2006" xmlns:p14="http://schemas.microsoft.com/office/powerpoint/2010/main">
+        <mc:Choice Requires="p14">
           <p:contentPart p14:bwMode="auto" r:id="rId13">
             <p14:nvContentPartPr>
               <p14:cNvPr id="26" name="Ink 25">
@@ -4727,7 +4698,7 @@
             </p14:xfrm>
           </p:contentPart>
         </mc:Choice>
-        <mc:Fallback>
+        <mc:Fallback xmlns="">
           <p:pic>
             <p:nvPicPr>
               <p:cNvPr id="26" name="Ink 25">
@@ -5634,7 +5605,15 @@
           <p:nvPr/>
         </p:nvPicPr>
         <p:blipFill>
-          <a:blip r:embed="rId2"/>
+          <a:blip r:embed="rId2">
+            <a:duotone>
+              <a:prstClr val="black"/>
+              <a:srgbClr val="22679A">
+                <a:tint val="45000"/>
+                <a:satMod val="400000"/>
+              </a:srgbClr>
+            </a:duotone>
+          </a:blip>
           <a:stretch>
             <a:fillRect/>
           </a:stretch>
@@ -5852,6 +5831,209 @@
           </a:p>
         </p:txBody>
       </p:sp>
+      <p:sp>
+        <p:nvSpPr>
+          <p:cNvPr id="6" name="Content Placeholder 2">
+            <a:extLst>
+              <a:ext uri="{FF2B5EF4-FFF2-40B4-BE49-F238E27FC236}">
+                <a16:creationId xmlns:a16="http://schemas.microsoft.com/office/drawing/2014/main" id="{6E494168-4C2B-2B43-A9E8-58E538C00D0F}"/>
+              </a:ext>
+            </a:extLst>
+          </p:cNvPr>
+          <p:cNvSpPr txBox="1">
+            <a:spLocks/>
+          </p:cNvSpPr>
+          <p:nvPr/>
+        </p:nvSpPr>
+        <p:spPr>
+          <a:xfrm>
+            <a:off x="4285074" y="4750198"/>
+            <a:ext cx="7068725" cy="640564"/>
+          </a:xfrm>
+          <a:prstGeom prst="rect">
+            <a:avLst/>
+          </a:prstGeom>
+        </p:spPr>
+        <p:txBody>
+          <a:bodyPr vert="horz" lIns="91440" tIns="45720" rIns="91440" bIns="45720" rtlCol="0">
+            <a:normAutofit lnSpcReduction="10000"/>
+          </a:bodyPr>
+          <a:lstStyle>
+            <a:lvl1pPr marL="228600" indent="-228600" algn="l" defTabSz="914400" rtl="0" eaLnBrk="1" latinLnBrk="0" hangingPunct="1">
+              <a:lnSpc>
+                <a:spcPct val="90000"/>
+              </a:lnSpc>
+              <a:spcBef>
+                <a:spcPts val="1000"/>
+              </a:spcBef>
+              <a:buFont typeface="Arial"/>
+              <a:buChar char="•"/>
+              <a:defRPr sz="2800" kern="1200">
+                <a:solidFill>
+                  <a:srgbClr val="0070C0"/>
+                </a:solidFill>
+                <a:latin typeface="IBM Plex Mono Text" panose="020B0509050203000203" pitchFamily="49" charset="0"/>
+                <a:ea typeface="+mn-ea"/>
+                <a:cs typeface="+mn-cs"/>
+              </a:defRPr>
+            </a:lvl1pPr>
+            <a:lvl2pPr marL="685800" indent="-228600" algn="l" defTabSz="914400" rtl="0" eaLnBrk="1" latinLnBrk="0" hangingPunct="1">
+              <a:lnSpc>
+                <a:spcPct val="90000"/>
+              </a:lnSpc>
+              <a:spcBef>
+                <a:spcPts val="500"/>
+              </a:spcBef>
+              <a:buFont typeface="Arial"/>
+              <a:buChar char="•"/>
+              <a:defRPr sz="2400" kern="1200">
+                <a:solidFill>
+                  <a:srgbClr val="0070C0"/>
+                </a:solidFill>
+                <a:latin typeface="IBM Plex Mono Text" panose="020B0509050203000203" pitchFamily="49" charset="0"/>
+                <a:ea typeface="+mn-ea"/>
+                <a:cs typeface="+mn-cs"/>
+              </a:defRPr>
+            </a:lvl2pPr>
+            <a:lvl3pPr marL="1143000" indent="-228600" algn="l" defTabSz="914400" rtl="0" eaLnBrk="1" latinLnBrk="0" hangingPunct="1">
+              <a:lnSpc>
+                <a:spcPct val="90000"/>
+              </a:lnSpc>
+              <a:spcBef>
+                <a:spcPts val="500"/>
+              </a:spcBef>
+              <a:buFont typeface="Arial"/>
+              <a:buChar char="•"/>
+              <a:defRPr sz="2000" kern="1200">
+                <a:solidFill>
+                  <a:srgbClr val="0070C0"/>
+                </a:solidFill>
+                <a:latin typeface="IBM Plex Mono Text" panose="020B0509050203000203" pitchFamily="49" charset="0"/>
+                <a:ea typeface="+mn-ea"/>
+                <a:cs typeface="+mn-cs"/>
+              </a:defRPr>
+            </a:lvl3pPr>
+            <a:lvl4pPr marL="1600200" indent="-228600" algn="l" defTabSz="914400" rtl="0" eaLnBrk="1" latinLnBrk="0" hangingPunct="1">
+              <a:lnSpc>
+                <a:spcPct val="90000"/>
+              </a:lnSpc>
+              <a:spcBef>
+                <a:spcPts val="500"/>
+              </a:spcBef>
+              <a:buFont typeface="Arial"/>
+              <a:buChar char="•"/>
+              <a:defRPr sz="1800" kern="1200">
+                <a:solidFill>
+                  <a:srgbClr val="0070C0"/>
+                </a:solidFill>
+                <a:latin typeface="IBM Plex Mono Text" panose="020B0509050203000203" pitchFamily="49" charset="0"/>
+                <a:ea typeface="+mn-ea"/>
+                <a:cs typeface="+mn-cs"/>
+              </a:defRPr>
+            </a:lvl4pPr>
+            <a:lvl5pPr marL="2057400" indent="-228600" algn="l" defTabSz="914400" rtl="0" eaLnBrk="1" latinLnBrk="0" hangingPunct="1">
+              <a:lnSpc>
+                <a:spcPct val="90000"/>
+              </a:lnSpc>
+              <a:spcBef>
+                <a:spcPts val="500"/>
+              </a:spcBef>
+              <a:buFont typeface="Arial"/>
+              <a:buChar char="•"/>
+              <a:defRPr sz="1800" kern="1200">
+                <a:solidFill>
+                  <a:srgbClr val="0070C0"/>
+                </a:solidFill>
+                <a:latin typeface="IBM Plex Mono Text" panose="020B0509050203000203" pitchFamily="49" charset="0"/>
+                <a:ea typeface="+mn-ea"/>
+                <a:cs typeface="+mn-cs"/>
+              </a:defRPr>
+            </a:lvl5pPr>
+            <a:lvl6pPr marL="2514600" indent="-228600" algn="l" defTabSz="914400" rtl="0" eaLnBrk="1" latinLnBrk="0" hangingPunct="1">
+              <a:lnSpc>
+                <a:spcPct val="90000"/>
+              </a:lnSpc>
+              <a:spcBef>
+                <a:spcPts val="500"/>
+              </a:spcBef>
+              <a:buFont typeface="Arial"/>
+              <a:buChar char="•"/>
+              <a:defRPr sz="1800" kern="1200">
+                <a:solidFill>
+                  <a:schemeClr val="tx1"/>
+                </a:solidFill>
+                <a:latin typeface="+mn-lt"/>
+                <a:ea typeface="+mn-ea"/>
+                <a:cs typeface="+mn-cs"/>
+              </a:defRPr>
+            </a:lvl6pPr>
+            <a:lvl7pPr marL="2971800" indent="-228600" algn="l" defTabSz="914400" rtl="0" eaLnBrk="1" latinLnBrk="0" hangingPunct="1">
+              <a:lnSpc>
+                <a:spcPct val="90000"/>
+              </a:lnSpc>
+              <a:spcBef>
+                <a:spcPts val="500"/>
+              </a:spcBef>
+              <a:buFont typeface="Arial"/>
+              <a:buChar char="•"/>
+              <a:defRPr sz="1800" kern="1200">
+                <a:solidFill>
+                  <a:schemeClr val="tx1"/>
+                </a:solidFill>
+                <a:latin typeface="+mn-lt"/>
+                <a:ea typeface="+mn-ea"/>
+                <a:cs typeface="+mn-cs"/>
+              </a:defRPr>
+            </a:lvl7pPr>
+            <a:lvl8pPr marL="3429000" indent="-228600" algn="l" defTabSz="914400" rtl="0" eaLnBrk="1" latinLnBrk="0" hangingPunct="1">
+              <a:lnSpc>
+                <a:spcPct val="90000"/>
+              </a:lnSpc>
+              <a:spcBef>
+                <a:spcPts val="500"/>
+              </a:spcBef>
+              <a:buFont typeface="Arial"/>
+              <a:buChar char="•"/>
+              <a:defRPr sz="1800" kern="1200">
+                <a:solidFill>
+                  <a:schemeClr val="tx1"/>
+                </a:solidFill>
+                <a:latin typeface="+mn-lt"/>
+                <a:ea typeface="+mn-ea"/>
+                <a:cs typeface="+mn-cs"/>
+              </a:defRPr>
+            </a:lvl8pPr>
+            <a:lvl9pPr marL="3886200" indent="-228600" algn="l" defTabSz="914400" rtl="0" eaLnBrk="1" latinLnBrk="0" hangingPunct="1">
+              <a:lnSpc>
+                <a:spcPct val="90000"/>
+              </a:lnSpc>
+              <a:spcBef>
+                <a:spcPts val="500"/>
+              </a:spcBef>
+              <a:buFont typeface="Arial"/>
+              <a:buChar char="•"/>
+              <a:defRPr sz="1800" kern="1200">
+                <a:solidFill>
+                  <a:schemeClr val="tx1"/>
+                </a:solidFill>
+                <a:latin typeface="+mn-lt"/>
+                <a:ea typeface="+mn-ea"/>
+                <a:cs typeface="+mn-cs"/>
+              </a:defRPr>
+            </a:lvl9pPr>
+          </a:lstStyle>
+          <a:p>
+            <a:pPr marL="0" indent="0">
+              <a:buFont typeface="Arial"/>
+              <a:buNone/>
+            </a:pPr>
+            <a:r>
+              <a:rPr lang="en-US" sz="2200" dirty="0"/>
+              <a:t>The following slides have static dashboards extracted from the Cognos platform.</a:t>
+            </a:r>
+          </a:p>
+        </p:txBody>
+      </p:sp>
     </p:spTree>
     <p:extLst>
       <p:ext uri="{BB962C8B-B14F-4D97-AF65-F5344CB8AC3E}">
@@ -6501,7 +6683,15 @@
           </p:nvPr>
         </p:nvPicPr>
         <p:blipFill>
-          <a:blip r:embed="rId2"/>
+          <a:blip r:embed="rId2">
+            <a:duotone>
+              <a:prstClr val="black"/>
+              <a:srgbClr val="22679A">
+                <a:tint val="45000"/>
+                <a:satMod val="400000"/>
+              </a:srgbClr>
+            </a:duotone>
+          </a:blip>
           <a:stretch>
             <a:fillRect/>
           </a:stretch>
@@ -6541,13 +6731,13 @@
         </p:spPr>
         <p:txBody>
           <a:bodyPr>
-            <a:normAutofit fontScale="92500" lnSpcReduction="10000"/>
+            <a:normAutofit fontScale="85000" lnSpcReduction="10000"/>
           </a:bodyPr>
           <a:lstStyle/>
           <a:p>
             <a:r>
               <a:rPr lang="en-US" dirty="0"/>
-              <a:t>Actual technologies and trends for the future</a:t>
+              <a:t>What are actual technologies and trends for the future?</a:t>
             </a:r>
           </a:p>
           <a:p>
@@ -6556,7 +6746,7 @@
           <a:p>
             <a:r>
               <a:rPr lang="en-US" dirty="0"/>
-              <a:t>Inclusion of women on the job market</a:t>
+              <a:t>What can be done to increase women on the developer’s job market?</a:t>
             </a:r>
           </a:p>
           <a:p>
@@ -6565,7 +6755,7 @@
           <a:p>
             <a:r>
               <a:rPr lang="en-US" dirty="0"/>
-              <a:t>Large gap between countries</a:t>
+              <a:t>Why are there large gap between countries?</a:t>
             </a:r>
           </a:p>
           <a:p>
@@ -6574,7 +6764,7 @@
           <a:p>
             <a:r>
               <a:rPr lang="en-US" dirty="0"/>
-              <a:t>Eliminate age and education discrimination in employment</a:t>
+              <a:t>How to eliminate age and education discrimination in employment?</a:t>
             </a:r>
           </a:p>
           <a:p>
@@ -6588,6 +6778,209 @@
               <a:buNone/>
             </a:pPr>
             <a:endParaRPr lang="en-US" dirty="0"/>
+          </a:p>
+        </p:txBody>
+      </p:sp>
+      <p:sp>
+        <p:nvSpPr>
+          <p:cNvPr id="6" name="Content Placeholder 2">
+            <a:extLst>
+              <a:ext uri="{FF2B5EF4-FFF2-40B4-BE49-F238E27FC236}">
+                <a16:creationId xmlns:a16="http://schemas.microsoft.com/office/drawing/2014/main" id="{B23815D6-4560-2E49-A112-859753CB69F2}"/>
+              </a:ext>
+            </a:extLst>
+          </p:cNvPr>
+          <p:cNvSpPr txBox="1">
+            <a:spLocks/>
+          </p:cNvSpPr>
+          <p:nvPr/>
+        </p:nvSpPr>
+        <p:spPr>
+          <a:xfrm>
+            <a:off x="838200" y="1727270"/>
+            <a:ext cx="5181601" cy="640564"/>
+          </a:xfrm>
+          <a:prstGeom prst="rect">
+            <a:avLst/>
+          </a:prstGeom>
+        </p:spPr>
+        <p:txBody>
+          <a:bodyPr vert="horz" lIns="91440" tIns="45720" rIns="91440" bIns="45720" rtlCol="0">
+            <a:normAutofit/>
+          </a:bodyPr>
+          <a:lstStyle>
+            <a:lvl1pPr marL="228600" indent="-228600" algn="l" defTabSz="914400" rtl="0" eaLnBrk="1" latinLnBrk="0" hangingPunct="1">
+              <a:lnSpc>
+                <a:spcPct val="90000"/>
+              </a:lnSpc>
+              <a:spcBef>
+                <a:spcPts val="1000"/>
+              </a:spcBef>
+              <a:buFont typeface="Arial"/>
+              <a:buChar char="•"/>
+              <a:defRPr sz="2800" kern="1200">
+                <a:solidFill>
+                  <a:srgbClr val="0070C0"/>
+                </a:solidFill>
+                <a:latin typeface="IBM Plex Mono Text" panose="020B0509050203000203" pitchFamily="49" charset="0"/>
+                <a:ea typeface="+mn-ea"/>
+                <a:cs typeface="+mn-cs"/>
+              </a:defRPr>
+            </a:lvl1pPr>
+            <a:lvl2pPr marL="685800" indent="-228600" algn="l" defTabSz="914400" rtl="0" eaLnBrk="1" latinLnBrk="0" hangingPunct="1">
+              <a:lnSpc>
+                <a:spcPct val="90000"/>
+              </a:lnSpc>
+              <a:spcBef>
+                <a:spcPts val="500"/>
+              </a:spcBef>
+              <a:buFont typeface="Arial"/>
+              <a:buChar char="•"/>
+              <a:defRPr sz="2400" kern="1200">
+                <a:solidFill>
+                  <a:srgbClr val="0070C0"/>
+                </a:solidFill>
+                <a:latin typeface="IBM Plex Mono Text" panose="020B0509050203000203" pitchFamily="49" charset="0"/>
+                <a:ea typeface="+mn-ea"/>
+                <a:cs typeface="+mn-cs"/>
+              </a:defRPr>
+            </a:lvl2pPr>
+            <a:lvl3pPr marL="1143000" indent="-228600" algn="l" defTabSz="914400" rtl="0" eaLnBrk="1" latinLnBrk="0" hangingPunct="1">
+              <a:lnSpc>
+                <a:spcPct val="90000"/>
+              </a:lnSpc>
+              <a:spcBef>
+                <a:spcPts val="500"/>
+              </a:spcBef>
+              <a:buFont typeface="Arial"/>
+              <a:buChar char="•"/>
+              <a:defRPr sz="2000" kern="1200">
+                <a:solidFill>
+                  <a:srgbClr val="0070C0"/>
+                </a:solidFill>
+                <a:latin typeface="IBM Plex Mono Text" panose="020B0509050203000203" pitchFamily="49" charset="0"/>
+                <a:ea typeface="+mn-ea"/>
+                <a:cs typeface="+mn-cs"/>
+              </a:defRPr>
+            </a:lvl3pPr>
+            <a:lvl4pPr marL="1600200" indent="-228600" algn="l" defTabSz="914400" rtl="0" eaLnBrk="1" latinLnBrk="0" hangingPunct="1">
+              <a:lnSpc>
+                <a:spcPct val="90000"/>
+              </a:lnSpc>
+              <a:spcBef>
+                <a:spcPts val="500"/>
+              </a:spcBef>
+              <a:buFont typeface="Arial"/>
+              <a:buChar char="•"/>
+              <a:defRPr sz="1800" kern="1200">
+                <a:solidFill>
+                  <a:srgbClr val="0070C0"/>
+                </a:solidFill>
+                <a:latin typeface="IBM Plex Mono Text" panose="020B0509050203000203" pitchFamily="49" charset="0"/>
+                <a:ea typeface="+mn-ea"/>
+                <a:cs typeface="+mn-cs"/>
+              </a:defRPr>
+            </a:lvl4pPr>
+            <a:lvl5pPr marL="2057400" indent="-228600" algn="l" defTabSz="914400" rtl="0" eaLnBrk="1" latinLnBrk="0" hangingPunct="1">
+              <a:lnSpc>
+                <a:spcPct val="90000"/>
+              </a:lnSpc>
+              <a:spcBef>
+                <a:spcPts val="500"/>
+              </a:spcBef>
+              <a:buFont typeface="Arial"/>
+              <a:buChar char="•"/>
+              <a:defRPr sz="1800" kern="1200">
+                <a:solidFill>
+                  <a:srgbClr val="0070C0"/>
+                </a:solidFill>
+                <a:latin typeface="IBM Plex Mono Text" panose="020B0509050203000203" pitchFamily="49" charset="0"/>
+                <a:ea typeface="+mn-ea"/>
+                <a:cs typeface="+mn-cs"/>
+              </a:defRPr>
+            </a:lvl5pPr>
+            <a:lvl6pPr marL="2514600" indent="-228600" algn="l" defTabSz="914400" rtl="0" eaLnBrk="1" latinLnBrk="0" hangingPunct="1">
+              <a:lnSpc>
+                <a:spcPct val="90000"/>
+              </a:lnSpc>
+              <a:spcBef>
+                <a:spcPts val="500"/>
+              </a:spcBef>
+              <a:buFont typeface="Arial"/>
+              <a:buChar char="•"/>
+              <a:defRPr sz="1800" kern="1200">
+                <a:solidFill>
+                  <a:schemeClr val="tx1"/>
+                </a:solidFill>
+                <a:latin typeface="+mn-lt"/>
+                <a:ea typeface="+mn-ea"/>
+                <a:cs typeface="+mn-cs"/>
+              </a:defRPr>
+            </a:lvl6pPr>
+            <a:lvl7pPr marL="2971800" indent="-228600" algn="l" defTabSz="914400" rtl="0" eaLnBrk="1" latinLnBrk="0" hangingPunct="1">
+              <a:lnSpc>
+                <a:spcPct val="90000"/>
+              </a:lnSpc>
+              <a:spcBef>
+                <a:spcPts val="500"/>
+              </a:spcBef>
+              <a:buFont typeface="Arial"/>
+              <a:buChar char="•"/>
+              <a:defRPr sz="1800" kern="1200">
+                <a:solidFill>
+                  <a:schemeClr val="tx1"/>
+                </a:solidFill>
+                <a:latin typeface="+mn-lt"/>
+                <a:ea typeface="+mn-ea"/>
+                <a:cs typeface="+mn-cs"/>
+              </a:defRPr>
+            </a:lvl7pPr>
+            <a:lvl8pPr marL="3429000" indent="-228600" algn="l" defTabSz="914400" rtl="0" eaLnBrk="1" latinLnBrk="0" hangingPunct="1">
+              <a:lnSpc>
+                <a:spcPct val="90000"/>
+              </a:lnSpc>
+              <a:spcBef>
+                <a:spcPts val="500"/>
+              </a:spcBef>
+              <a:buFont typeface="Arial"/>
+              <a:buChar char="•"/>
+              <a:defRPr sz="1800" kern="1200">
+                <a:solidFill>
+                  <a:schemeClr val="tx1"/>
+                </a:solidFill>
+                <a:latin typeface="+mn-lt"/>
+                <a:ea typeface="+mn-ea"/>
+                <a:cs typeface="+mn-cs"/>
+              </a:defRPr>
+            </a:lvl8pPr>
+            <a:lvl9pPr marL="3886200" indent="-228600" algn="l" defTabSz="914400" rtl="0" eaLnBrk="1" latinLnBrk="0" hangingPunct="1">
+              <a:lnSpc>
+                <a:spcPct val="90000"/>
+              </a:lnSpc>
+              <a:spcBef>
+                <a:spcPts val="500"/>
+              </a:spcBef>
+              <a:buFont typeface="Arial"/>
+              <a:buChar char="•"/>
+              <a:defRPr sz="1800" kern="1200">
+                <a:solidFill>
+                  <a:schemeClr val="tx1"/>
+                </a:solidFill>
+                <a:latin typeface="+mn-lt"/>
+                <a:ea typeface="+mn-ea"/>
+                <a:cs typeface="+mn-cs"/>
+              </a:defRPr>
+            </a:lvl9pPr>
+          </a:lstStyle>
+          <a:p>
+            <a:pPr marL="0" indent="0">
+              <a:buFont typeface="Arial"/>
+              <a:buNone/>
+            </a:pPr>
+            <a:r>
+              <a:rPr lang="en-US" sz="2400" dirty="0"/>
+              <a:t>Topics to discuss from this report:</a:t>
+            </a:r>
           </a:p>
         </p:txBody>
       </p:sp>
@@ -6904,7 +7297,15 @@
           </p:nvPr>
         </p:nvPicPr>
         <p:blipFill>
-          <a:blip r:embed="rId2"/>
+          <a:blip r:embed="rId2">
+            <a:duotone>
+              <a:prstClr val="black"/>
+              <a:srgbClr val="22679A">
+                <a:tint val="45000"/>
+                <a:satMod val="400000"/>
+              </a:srgbClr>
+            </a:duotone>
+          </a:blip>
           <a:stretch>
             <a:fillRect/>
           </a:stretch>
@@ -7039,7 +7440,15 @@
           </p:nvPr>
         </p:nvPicPr>
         <p:blipFill>
-          <a:blip r:embed="rId2"/>
+          <a:blip r:embed="rId2">
+            <a:duotone>
+              <a:prstClr val="black"/>
+              <a:srgbClr val="22679A">
+                <a:tint val="45000"/>
+                <a:satMod val="400000"/>
+              </a:srgbClr>
+            </a:duotone>
+          </a:blip>
           <a:stretch>
             <a:fillRect/>
           </a:stretch>
@@ -7277,16 +7686,23 @@
           </p:cNvPicPr>
           <p:nvPr/>
         </p:nvPicPr>
-        <p:blipFill>
-          <a:blip r:embed="rId2"/>
-          <a:stretch>
-            <a:fillRect/>
-          </a:stretch>
+        <p:blipFill rotWithShape="1">
+          <a:blip r:embed="rId2">
+            <a:duotone>
+              <a:prstClr val="black"/>
+              <a:srgbClr val="22679A">
+                <a:tint val="45000"/>
+                <a:satMod val="400000"/>
+              </a:srgbClr>
+            </a:duotone>
+          </a:blip>
+          <a:srcRect/>
+          <a:stretch/>
         </p:blipFill>
         <p:spPr>
           <a:xfrm>
             <a:off x="1450711" y="2025672"/>
-            <a:ext cx="3194581" cy="3194581"/>
+            <a:ext cx="3194580" cy="3194580"/>
           </a:xfrm>
           <a:prstGeom prst="rect">
             <a:avLst/>
@@ -7522,57 +7938,6 @@
           </p:pic>
         </mc:Fallback>
       </mc:AlternateContent>
-      <mc:AlternateContent xmlns:mc="http://schemas.openxmlformats.org/markup-compatibility/2006" xmlns:p14="http://schemas.microsoft.com/office/powerpoint/2010/main">
-        <mc:Choice Requires="p14">
-          <p:contentPart p14:bwMode="auto" r:id="rId12">
-            <p14:nvContentPartPr>
-              <p14:cNvPr id="13" name="Ink 12">
-                <a:extLst>
-                  <a:ext uri="{FF2B5EF4-FFF2-40B4-BE49-F238E27FC236}">
-                    <a16:creationId xmlns:a16="http://schemas.microsoft.com/office/drawing/2014/main" id="{18EA1C91-5384-4260-8EC9-8379C643441C}"/>
-                  </a:ext>
-                </a:extLst>
-              </p14:cNvPr>
-              <p14:cNvContentPartPr/>
-              <p14:nvPr/>
-            </p14:nvContentPartPr>
-            <p14:xfrm>
-              <a:off x="-2109240" y="2669712"/>
-              <a:ext cx="19800" cy="360"/>
-            </p14:xfrm>
-          </p:contentPart>
-        </mc:Choice>
-        <mc:Fallback xmlns="">
-          <p:pic>
-            <p:nvPicPr>
-              <p:cNvPr id="13" name="Ink 12">
-                <a:extLst>
-                  <a:ext uri="{FF2B5EF4-FFF2-40B4-BE49-F238E27FC236}">
-                    <a16:creationId xmlns:a16="http://schemas.microsoft.com/office/drawing/2014/main" id="{18EA1C91-5384-4260-8EC9-8379C643441C}"/>
-                  </a:ext>
-                </a:extLst>
-              </p:cNvPr>
-              <p:cNvPicPr/>
-              <p:nvPr/>
-            </p:nvPicPr>
-            <p:blipFill>
-              <a:blip r:embed="rId13"/>
-              <a:stretch>
-                <a:fillRect/>
-              </a:stretch>
-            </p:blipFill>
-            <p:spPr>
-              <a:xfrm>
-                <a:off x="-2199240" y="2489712"/>
-                <a:ext cx="199440" cy="360000"/>
-              </a:xfrm>
-              <a:prstGeom prst="rect">
-                <a:avLst/>
-              </a:prstGeom>
-            </p:spPr>
-          </p:pic>
-        </mc:Fallback>
-      </mc:AlternateContent>
     </p:spTree>
     <p:extLst>
       <p:ext uri="{BB962C8B-B14F-4D97-AF65-F5344CB8AC3E}">
@@ -7662,7 +8027,7 @@
         </p:spPr>
         <p:txBody>
           <a:bodyPr>
-            <a:normAutofit fontScale="92500" lnSpcReduction="10000"/>
+            <a:noAutofit/>
           </a:bodyPr>
           <a:lstStyle/>
           <a:p>
@@ -7670,12 +8035,8 @@
               <a:buNone/>
             </a:pPr>
             <a:r>
-              <a:rPr lang="en-US" sz="2200" dirty="0"/>
-              <a:t>From: </a:t>
-            </a:r>
-            <a:r>
               <a:rPr lang="en-US" sz="2000" dirty="0"/>
-              <a:t>“</a:t>
+              <a:t>From: “</a:t>
             </a:r>
             <a:r>
               <a:rPr lang="en-IN" sz="2000" dirty="0"/>
@@ -7687,11 +8048,7 @@
             </a:r>
             <a:r>
               <a:rPr lang="en-US" sz="2000" dirty="0"/>
-              <a:t>” </a:t>
-            </a:r>
-            <a:r>
-              <a:rPr lang="en-US" sz="2200" dirty="0"/>
-              <a:t>in Module 1</a:t>
+              <a:t>” in Module 1</a:t>
             </a:r>
           </a:p>
         </p:txBody>
@@ -7726,6 +8083,209 @@
           </a:prstGeom>
         </p:spPr>
       </p:pic>
+      <p:sp>
+        <p:nvSpPr>
+          <p:cNvPr id="6" name="Content Placeholder 2">
+            <a:extLst>
+              <a:ext uri="{FF2B5EF4-FFF2-40B4-BE49-F238E27FC236}">
+                <a16:creationId xmlns:a16="http://schemas.microsoft.com/office/drawing/2014/main" id="{55C8D8BB-23E0-5E4F-95EB-D951DE889BBF}"/>
+              </a:ext>
+            </a:extLst>
+          </p:cNvPr>
+          <p:cNvSpPr txBox="1">
+            <a:spLocks/>
+          </p:cNvSpPr>
+          <p:nvPr/>
+        </p:nvSpPr>
+        <p:spPr>
+          <a:xfrm>
+            <a:off x="6732223" y="2292814"/>
+            <a:ext cx="4679350" cy="2685586"/>
+          </a:xfrm>
+          <a:prstGeom prst="rect">
+            <a:avLst/>
+          </a:prstGeom>
+        </p:spPr>
+        <p:txBody>
+          <a:bodyPr vert="horz" lIns="91440" tIns="45720" rIns="91440" bIns="45720" rtlCol="0">
+            <a:normAutofit/>
+          </a:bodyPr>
+          <a:lstStyle>
+            <a:lvl1pPr marL="228600" indent="-228600" algn="l" defTabSz="914400" rtl="0" eaLnBrk="1" latinLnBrk="0" hangingPunct="1">
+              <a:lnSpc>
+                <a:spcPct val="90000"/>
+              </a:lnSpc>
+              <a:spcBef>
+                <a:spcPts val="1000"/>
+              </a:spcBef>
+              <a:buFont typeface="Arial"/>
+              <a:buChar char="•"/>
+              <a:defRPr sz="2800" kern="1200">
+                <a:solidFill>
+                  <a:srgbClr val="0070C0"/>
+                </a:solidFill>
+                <a:latin typeface="IBM Plex Mono Text" panose="020B0509050203000203" pitchFamily="49" charset="0"/>
+                <a:ea typeface="+mn-ea"/>
+                <a:cs typeface="+mn-cs"/>
+              </a:defRPr>
+            </a:lvl1pPr>
+            <a:lvl2pPr marL="685800" indent="-228600" algn="l" defTabSz="914400" rtl="0" eaLnBrk="1" latinLnBrk="0" hangingPunct="1">
+              <a:lnSpc>
+                <a:spcPct val="90000"/>
+              </a:lnSpc>
+              <a:spcBef>
+                <a:spcPts val="500"/>
+              </a:spcBef>
+              <a:buFont typeface="Arial"/>
+              <a:buChar char="•"/>
+              <a:defRPr sz="2400" kern="1200">
+                <a:solidFill>
+                  <a:srgbClr val="0070C0"/>
+                </a:solidFill>
+                <a:latin typeface="IBM Plex Mono Text" panose="020B0509050203000203" pitchFamily="49" charset="0"/>
+                <a:ea typeface="+mn-ea"/>
+                <a:cs typeface="+mn-cs"/>
+              </a:defRPr>
+            </a:lvl2pPr>
+            <a:lvl3pPr marL="1143000" indent="-228600" algn="l" defTabSz="914400" rtl="0" eaLnBrk="1" latinLnBrk="0" hangingPunct="1">
+              <a:lnSpc>
+                <a:spcPct val="90000"/>
+              </a:lnSpc>
+              <a:spcBef>
+                <a:spcPts val="500"/>
+              </a:spcBef>
+              <a:buFont typeface="Arial"/>
+              <a:buChar char="•"/>
+              <a:defRPr sz="2000" kern="1200">
+                <a:solidFill>
+                  <a:srgbClr val="0070C0"/>
+                </a:solidFill>
+                <a:latin typeface="IBM Plex Mono Text" panose="020B0509050203000203" pitchFamily="49" charset="0"/>
+                <a:ea typeface="+mn-ea"/>
+                <a:cs typeface="+mn-cs"/>
+              </a:defRPr>
+            </a:lvl3pPr>
+            <a:lvl4pPr marL="1600200" indent="-228600" algn="l" defTabSz="914400" rtl="0" eaLnBrk="1" latinLnBrk="0" hangingPunct="1">
+              <a:lnSpc>
+                <a:spcPct val="90000"/>
+              </a:lnSpc>
+              <a:spcBef>
+                <a:spcPts val="500"/>
+              </a:spcBef>
+              <a:buFont typeface="Arial"/>
+              <a:buChar char="•"/>
+              <a:defRPr sz="1800" kern="1200">
+                <a:solidFill>
+                  <a:srgbClr val="0070C0"/>
+                </a:solidFill>
+                <a:latin typeface="IBM Plex Mono Text" panose="020B0509050203000203" pitchFamily="49" charset="0"/>
+                <a:ea typeface="+mn-ea"/>
+                <a:cs typeface="+mn-cs"/>
+              </a:defRPr>
+            </a:lvl4pPr>
+            <a:lvl5pPr marL="2057400" indent="-228600" algn="l" defTabSz="914400" rtl="0" eaLnBrk="1" latinLnBrk="0" hangingPunct="1">
+              <a:lnSpc>
+                <a:spcPct val="90000"/>
+              </a:lnSpc>
+              <a:spcBef>
+                <a:spcPts val="500"/>
+              </a:spcBef>
+              <a:buFont typeface="Arial"/>
+              <a:buChar char="•"/>
+              <a:defRPr sz="1800" kern="1200">
+                <a:solidFill>
+                  <a:srgbClr val="0070C0"/>
+                </a:solidFill>
+                <a:latin typeface="IBM Plex Mono Text" panose="020B0509050203000203" pitchFamily="49" charset="0"/>
+                <a:ea typeface="+mn-ea"/>
+                <a:cs typeface="+mn-cs"/>
+              </a:defRPr>
+            </a:lvl5pPr>
+            <a:lvl6pPr marL="2514600" indent="-228600" algn="l" defTabSz="914400" rtl="0" eaLnBrk="1" latinLnBrk="0" hangingPunct="1">
+              <a:lnSpc>
+                <a:spcPct val="90000"/>
+              </a:lnSpc>
+              <a:spcBef>
+                <a:spcPts val="500"/>
+              </a:spcBef>
+              <a:buFont typeface="Arial"/>
+              <a:buChar char="•"/>
+              <a:defRPr sz="1800" kern="1200">
+                <a:solidFill>
+                  <a:schemeClr val="tx1"/>
+                </a:solidFill>
+                <a:latin typeface="+mn-lt"/>
+                <a:ea typeface="+mn-ea"/>
+                <a:cs typeface="+mn-cs"/>
+              </a:defRPr>
+            </a:lvl6pPr>
+            <a:lvl7pPr marL="2971800" indent="-228600" algn="l" defTabSz="914400" rtl="0" eaLnBrk="1" latinLnBrk="0" hangingPunct="1">
+              <a:lnSpc>
+                <a:spcPct val="90000"/>
+              </a:lnSpc>
+              <a:spcBef>
+                <a:spcPts val="500"/>
+              </a:spcBef>
+              <a:buFont typeface="Arial"/>
+              <a:buChar char="•"/>
+              <a:defRPr sz="1800" kern="1200">
+                <a:solidFill>
+                  <a:schemeClr val="tx1"/>
+                </a:solidFill>
+                <a:latin typeface="+mn-lt"/>
+                <a:ea typeface="+mn-ea"/>
+                <a:cs typeface="+mn-cs"/>
+              </a:defRPr>
+            </a:lvl7pPr>
+            <a:lvl8pPr marL="3429000" indent="-228600" algn="l" defTabSz="914400" rtl="0" eaLnBrk="1" latinLnBrk="0" hangingPunct="1">
+              <a:lnSpc>
+                <a:spcPct val="90000"/>
+              </a:lnSpc>
+              <a:spcBef>
+                <a:spcPts val="500"/>
+              </a:spcBef>
+              <a:buFont typeface="Arial"/>
+              <a:buChar char="•"/>
+              <a:defRPr sz="1800" kern="1200">
+                <a:solidFill>
+                  <a:schemeClr val="tx1"/>
+                </a:solidFill>
+                <a:latin typeface="+mn-lt"/>
+                <a:ea typeface="+mn-ea"/>
+                <a:cs typeface="+mn-cs"/>
+              </a:defRPr>
+            </a:lvl8pPr>
+            <a:lvl9pPr marL="3886200" indent="-228600" algn="l" defTabSz="914400" rtl="0" eaLnBrk="1" latinLnBrk="0" hangingPunct="1">
+              <a:lnSpc>
+                <a:spcPct val="90000"/>
+              </a:lnSpc>
+              <a:spcBef>
+                <a:spcPts val="500"/>
+              </a:spcBef>
+              <a:buFont typeface="Arial"/>
+              <a:buChar char="•"/>
+              <a:defRPr sz="1800" kern="1200">
+                <a:solidFill>
+                  <a:schemeClr val="tx1"/>
+                </a:solidFill>
+                <a:latin typeface="+mn-lt"/>
+                <a:ea typeface="+mn-ea"/>
+                <a:cs typeface="+mn-cs"/>
+              </a:defRPr>
+            </a:lvl9pPr>
+          </a:lstStyle>
+          <a:p>
+            <a:pPr marL="0" indent="0">
+              <a:buFont typeface="Arial"/>
+              <a:buNone/>
+            </a:pPr>
+            <a:r>
+              <a:rPr lang="en-CA" sz="2000" dirty="0"/>
+              <a:t>Difference from Survey dataset, where first sample was from the user’s that respond the survey and from the GitHub Jos posting average hiring positions.</a:t>
+            </a:r>
+          </a:p>
+        </p:txBody>
+      </p:sp>
     </p:spTree>
     <p:extLst>
       <p:ext uri="{BB962C8B-B14F-4D97-AF65-F5344CB8AC3E}">
@@ -7874,7 +8434,15 @@
           <p:nvPr/>
         </p:nvPicPr>
         <p:blipFill>
-          <a:blip r:embed="rId3"/>
+          <a:blip r:embed="rId3">
+            <a:duotone>
+              <a:prstClr val="black"/>
+              <a:srgbClr val="22679A">
+                <a:tint val="45000"/>
+                <a:satMod val="400000"/>
+              </a:srgbClr>
+            </a:duotone>
+          </a:blip>
           <a:stretch>
             <a:fillRect/>
           </a:stretch>
@@ -8180,7 +8748,15 @@
           <p:nvPr/>
         </p:nvPicPr>
         <p:blipFill>
-          <a:blip r:embed="rId2"/>
+          <a:blip r:embed="rId2">
+            <a:duotone>
+              <a:prstClr val="black"/>
+              <a:srgbClr val="22679A">
+                <a:tint val="45000"/>
+                <a:satMod val="400000"/>
+              </a:srgbClr>
+            </a:duotone>
+          </a:blip>
           <a:stretch>
             <a:fillRect/>
           </a:stretch>
@@ -8522,7 +9098,7 @@
         </p:spPr>
         <p:txBody>
           <a:bodyPr>
-            <a:normAutofit/>
+            <a:normAutofit lnSpcReduction="10000"/>
           </a:bodyPr>
           <a:lstStyle/>
           <a:p>
@@ -8560,12 +9136,33 @@
             </a:r>
           </a:p>
           <a:p>
+            <a:pPr lvl="1"/>
+            <a:r>
+              <a:rPr lang="en-US" sz="1800" dirty="0"/>
+              <a:t>Removing duplicates and outliers that could misinterpret the salaries</a:t>
+            </a:r>
+          </a:p>
+          <a:p>
+            <a:pPr lvl="1"/>
+            <a:r>
+              <a:rPr lang="en-US" sz="1800" dirty="0"/>
+              <a:t>Normalizing the salaries to year, considering amounts in US Dollars</a:t>
+            </a:r>
+          </a:p>
+          <a:p>
             <a:endParaRPr lang="en-US" sz="2200" dirty="0"/>
           </a:p>
           <a:p>
             <a:r>
               <a:rPr lang="en-US" sz="2200" dirty="0"/>
               <a:t>Data Visualization</a:t>
+            </a:r>
+          </a:p>
+          <a:p>
+            <a:pPr lvl="1"/>
+            <a:r>
+              <a:rPr lang="en-US" sz="1800" dirty="0"/>
+              <a:t>Using Python libraries and Cognos BI</a:t>
             </a:r>
           </a:p>
           <a:p>
@@ -8595,7 +9192,15 @@
           <p:nvPr/>
         </p:nvPicPr>
         <p:blipFill>
-          <a:blip r:embed="rId2"/>
+          <a:blip r:embed="rId2">
+            <a:duotone>
+              <a:prstClr val="black"/>
+              <a:srgbClr val="22679A">
+                <a:tint val="45000"/>
+                <a:satMod val="400000"/>
+              </a:srgbClr>
+            </a:duotone>
+          </a:blip>
           <a:stretch>
             <a:fillRect/>
           </a:stretch>
@@ -9266,7 +9871,7 @@
           <a:p>
             <a:r>
               <a:rPr lang="en-US" dirty="0"/>
-              <a:t>Python will become more popular next year</a:t>
+              <a:t>Developers have increasing Python interests </a:t>
             </a:r>
           </a:p>
           <a:p>
@@ -10053,6 +10658,21 @@
 </file>
 
 <file path=customXml/item1.xml><?xml version="1.0" encoding="utf-8"?>
+<p:properties xmlns:p="http://schemas.microsoft.com/office/2006/metadata/properties" xmlns:xsi="http://www.w3.org/2001/XMLSchema-instance" xmlns:pc="http://schemas.microsoft.com/office/infopath/2007/PartnerControls">
+  <documentManagement/>
+</p:properties>
+</file>
+
+<file path=customXml/item2.xml><?xml version="1.0" encoding="utf-8"?>
+<?mso-contentType ?>
+<FormTemplates xmlns="http://schemas.microsoft.com/sharepoint/v3/contenttype/forms">
+  <Display>DocumentLibraryForm</Display>
+  <Edit>DocumentLibraryForm</Edit>
+  <New>DocumentLibraryForm</New>
+</FormTemplates>
+</file>
+
+<file path=customXml/item3.xml><?xml version="1.0" encoding="utf-8"?>
 <ct:contentTypeSchema xmlns:ct="http://schemas.microsoft.com/office/2006/metadata/contentType" xmlns:ma="http://schemas.microsoft.com/office/2006/metadata/properties/metaAttributes" ct:_="" ma:_="" ma:contentTypeName="Document" ma:contentTypeID="0x010100EECD86F56755A646AC8AFCBCBD967F21" ma:contentTypeVersion="11" ma:contentTypeDescription="Create a new document." ma:contentTypeScope="" ma:versionID="4bc1015ece1c23b1ef2f55a62f11494f">
   <xsd:schema xmlns:xsd="http://www.w3.org/2001/XMLSchema" xmlns:xs="http://www.w3.org/2001/XMLSchema" xmlns:p="http://schemas.microsoft.com/office/2006/metadata/properties" xmlns:ns2="155be751-a274-42e8-93fb-f39d3b9bccc8" xmlns:ns3="f80a141d-92ca-4d3d-9308-f7e7b1d44ce8" targetNamespace="http://schemas.microsoft.com/office/2006/metadata/properties" ma:root="true" ma:fieldsID="efbf6837a43ed91190e40f849f23a130" ns2:_="" ns3:_="">
     <xsd:import namespace="155be751-a274-42e8-93fb-f39d3b9bccc8"/>
@@ -10263,22 +10883,24 @@
 </ct:contentTypeSchema>
 </file>
 
-<file path=customXml/item2.xml><?xml version="1.0" encoding="utf-8"?>
-<?mso-contentType ?>
-<FormTemplates xmlns="http://schemas.microsoft.com/sharepoint/v3/contenttype/forms">
-  <Display>DocumentLibraryForm</Display>
-  <Edit>DocumentLibraryForm</Edit>
-  <New>DocumentLibraryForm</New>
-</FormTemplates>
+<file path=customXml/itemProps1.xml><?xml version="1.0" encoding="utf-8"?>
+<ds:datastoreItem xmlns:ds="http://schemas.openxmlformats.org/officeDocument/2006/customXml" ds:itemID="{54DA07C5-A406-4A0D-B3E6-3856C94AC7F3}">
+  <ds:schemaRefs>
+    <ds:schemaRef ds:uri="http://schemas.microsoft.com/office/2006/metadata/properties"/>
+    <ds:schemaRef ds:uri="http://schemas.microsoft.com/office/infopath/2007/PartnerControls"/>
+  </ds:schemaRefs>
+</ds:datastoreItem>
 </file>
 
-<file path=customXml/item3.xml><?xml version="1.0" encoding="utf-8"?>
-<p:properties xmlns:p="http://schemas.microsoft.com/office/2006/metadata/properties" xmlns:xsi="http://www.w3.org/2001/XMLSchema-instance" xmlns:pc="http://schemas.microsoft.com/office/infopath/2007/PartnerControls">
-  <documentManagement/>
-</p:properties>
+<file path=customXml/itemProps2.xml><?xml version="1.0" encoding="utf-8"?>
+<ds:datastoreItem xmlns:ds="http://schemas.openxmlformats.org/officeDocument/2006/customXml" ds:itemID="{7EFDA260-DDA0-422C-B7AE-778F653FBB36}">
+  <ds:schemaRefs>
+    <ds:schemaRef ds:uri="http://schemas.microsoft.com/sharepoint/v3/contenttype/forms"/>
+  </ds:schemaRefs>
+</ds:datastoreItem>
 </file>
 
-<file path=customXml/itemProps1.xml><?xml version="1.0" encoding="utf-8"?>
+<file path=customXml/itemProps3.xml><?xml version="1.0" encoding="utf-8"?>
 <ds:datastoreItem xmlns:ds="http://schemas.openxmlformats.org/officeDocument/2006/customXml" ds:itemID="{887AE8FE-83F0-42D0-BB5E-14AD3FB1DE17}">
   <ds:schemaRefs>
     <ds:schemaRef ds:uri="http://schemas.microsoft.com/office/2006/metadata/contentType"/>
@@ -10295,21 +10917,4 @@
     <ds:schemaRef ds:uri="http://schemas.microsoft.com/internal/obd"/>
   </ds:schemaRefs>
 </ds:datastoreItem>
-</file>
-
-<file path=customXml/itemProps2.xml><?xml version="1.0" encoding="utf-8"?>
-<ds:datastoreItem xmlns:ds="http://schemas.openxmlformats.org/officeDocument/2006/customXml" ds:itemID="{7EFDA260-DDA0-422C-B7AE-778F653FBB36}">
-  <ds:schemaRefs>
-    <ds:schemaRef ds:uri="http://schemas.microsoft.com/sharepoint/v3/contenttype/forms"/>
-  </ds:schemaRefs>
-</ds:datastoreItem>
-</file>
-
-<file path=customXml/itemProps3.xml><?xml version="1.0" encoding="utf-8"?>
-<ds:datastoreItem xmlns:ds="http://schemas.openxmlformats.org/officeDocument/2006/customXml" ds:itemID="{54DA07C5-A406-4A0D-B3E6-3856C94AC7F3}">
-  <ds:schemaRefs>
-    <ds:schemaRef ds:uri="http://schemas.microsoft.com/office/2006/metadata/properties"/>
-    <ds:schemaRef ds:uri="http://schemas.microsoft.com/office/infopath/2007/PartnerControls"/>
-  </ds:schemaRefs>
-</ds:datastoreItem>
 </file>